--- a/Documents/Concrete Strength Prediction DPR.pptx
+++ b/Documents/Concrete Strength Prediction DPR.pptx
@@ -1732,34 +1732,34 @@
         </a:fontRef>
       </dsp:style>
       <dsp:txBody>
-        <a:bodyPr lIns="83820" tIns="83820" rIns="83820" bIns="83820" anchor="ctr"/>
+        <a:bodyPr lIns="91439" tIns="91439" rIns="91439" bIns="91439" anchor="ctr"/>
         <a:lstStyle>
           <a:lvl1pPr algn="ctr">
-            <a:defRPr sz="2200"/>
+            <a:defRPr sz="2400"/>
           </a:lvl1pPr>
           <a:lvl2pPr marL="171450" indent="-171450" algn="ctr">
-            <a:defRPr sz="1700"/>
+            <a:defRPr sz="1800"/>
           </a:lvl2pPr>
           <a:lvl3pPr marL="342900" indent="-171450" algn="ctr">
-            <a:defRPr sz="1700"/>
+            <a:defRPr sz="1800"/>
           </a:lvl3pPr>
           <a:lvl4pPr marL="514350" indent="-171450" algn="ctr">
-            <a:defRPr sz="1700"/>
+            <a:defRPr sz="1800"/>
           </a:lvl4pPr>
           <a:lvl5pPr marL="685800" indent="-171450" algn="ctr">
-            <a:defRPr sz="1700"/>
+            <a:defRPr sz="1800"/>
           </a:lvl5pPr>
           <a:lvl6pPr marL="857250" indent="-171450" algn="ctr">
-            <a:defRPr sz="1700"/>
+            <a:defRPr sz="1800"/>
           </a:lvl6pPr>
           <a:lvl7pPr marL="1028700" indent="-171450" algn="ctr">
-            <a:defRPr sz="1700"/>
+            <a:defRPr sz="1800"/>
           </a:lvl7pPr>
           <a:lvl8pPr marL="1200150" indent="-171450" algn="ctr">
-            <a:defRPr sz="1700"/>
+            <a:defRPr sz="1800"/>
           </a:lvl8pPr>
           <a:lvl9pPr marL="1371600" indent="-171450" algn="ctr">
-            <a:defRPr sz="1700"/>
+            <a:defRPr sz="1800"/>
           </a:lvl9pPr>
         </a:lstStyle>
         <a:p>
@@ -1864,34 +1864,34 @@
         </a:fontRef>
       </dsp:style>
       <dsp:txBody>
-        <a:bodyPr lIns="83820" tIns="83820" rIns="83820" bIns="83820" anchor="ctr"/>
+        <a:bodyPr lIns="91439" tIns="91439" rIns="91439" bIns="91439" anchor="ctr"/>
         <a:lstStyle>
           <a:lvl1pPr algn="ctr">
-            <a:defRPr sz="2200"/>
+            <a:defRPr sz="2400"/>
           </a:lvl1pPr>
           <a:lvl2pPr marL="171450" indent="-171450" algn="ctr">
-            <a:defRPr sz="1700"/>
+            <a:defRPr sz="1800"/>
           </a:lvl2pPr>
           <a:lvl3pPr marL="342900" indent="-171450" algn="ctr">
-            <a:defRPr sz="1700"/>
+            <a:defRPr sz="1800"/>
           </a:lvl3pPr>
           <a:lvl4pPr marL="514350" indent="-171450" algn="ctr">
-            <a:defRPr sz="1700"/>
+            <a:defRPr sz="1800"/>
           </a:lvl4pPr>
           <a:lvl5pPr marL="685800" indent="-171450" algn="ctr">
-            <a:defRPr sz="1700"/>
+            <a:defRPr sz="1800"/>
           </a:lvl5pPr>
           <a:lvl6pPr marL="857250" indent="-171450" algn="ctr">
-            <a:defRPr sz="1700"/>
+            <a:defRPr sz="1800"/>
           </a:lvl6pPr>
           <a:lvl7pPr marL="1028700" indent="-171450" algn="ctr">
-            <a:defRPr sz="1700"/>
+            <a:defRPr sz="1800"/>
           </a:lvl7pPr>
           <a:lvl8pPr marL="1200150" indent="-171450" algn="ctr">
-            <a:defRPr sz="1700"/>
+            <a:defRPr sz="1800"/>
           </a:lvl8pPr>
           <a:lvl9pPr marL="1371600" indent="-171450" algn="ctr">
-            <a:defRPr sz="1700"/>
+            <a:defRPr sz="1800"/>
           </a:lvl9pPr>
         </a:lstStyle>
         <a:p>
@@ -1996,34 +1996,34 @@
         </a:fontRef>
       </dsp:style>
       <dsp:txBody>
-        <a:bodyPr lIns="83820" tIns="83820" rIns="83820" bIns="83820" anchor="ctr"/>
+        <a:bodyPr lIns="91439" tIns="91439" rIns="91439" bIns="91439" anchor="ctr"/>
         <a:lstStyle>
           <a:lvl1pPr algn="ctr">
-            <a:defRPr sz="2200"/>
+            <a:defRPr sz="2400"/>
           </a:lvl1pPr>
           <a:lvl2pPr marL="171450" indent="-171450" algn="ctr">
-            <a:defRPr sz="1700"/>
+            <a:defRPr sz="1800"/>
           </a:lvl2pPr>
           <a:lvl3pPr marL="342900" indent="-171450" algn="ctr">
-            <a:defRPr sz="1700"/>
+            <a:defRPr sz="1800"/>
           </a:lvl3pPr>
           <a:lvl4pPr marL="514350" indent="-171450" algn="ctr">
-            <a:defRPr sz="1700"/>
+            <a:defRPr sz="1800"/>
           </a:lvl4pPr>
           <a:lvl5pPr marL="685800" indent="-171450" algn="ctr">
-            <a:defRPr sz="1700"/>
+            <a:defRPr sz="1800"/>
           </a:lvl5pPr>
           <a:lvl6pPr marL="857250" indent="-171450" algn="ctr">
-            <a:defRPr sz="1700"/>
+            <a:defRPr sz="1800"/>
           </a:lvl6pPr>
           <a:lvl7pPr marL="1028700" indent="-171450" algn="ctr">
-            <a:defRPr sz="1700"/>
+            <a:defRPr sz="1800"/>
           </a:lvl7pPr>
           <a:lvl8pPr marL="1200150" indent="-171450" algn="ctr">
-            <a:defRPr sz="1700"/>
+            <a:defRPr sz="1800"/>
           </a:lvl8pPr>
           <a:lvl9pPr marL="1371600" indent="-171450" algn="ctr">
-            <a:defRPr sz="1700"/>
+            <a:defRPr sz="1800"/>
           </a:lvl9pPr>
         </a:lstStyle>
         <a:p>
@@ -2128,34 +2128,34 @@
         </a:fontRef>
       </dsp:style>
       <dsp:txBody>
-        <a:bodyPr lIns="83820" tIns="83820" rIns="83820" bIns="83820" anchor="ctr"/>
+        <a:bodyPr lIns="91439" tIns="91439" rIns="91439" bIns="91439" anchor="ctr"/>
         <a:lstStyle>
           <a:lvl1pPr algn="ctr">
-            <a:defRPr sz="2200"/>
+            <a:defRPr sz="2400"/>
           </a:lvl1pPr>
           <a:lvl2pPr marL="171450" indent="-171450" algn="ctr">
-            <a:defRPr sz="1700"/>
+            <a:defRPr sz="1800"/>
           </a:lvl2pPr>
           <a:lvl3pPr marL="342900" indent="-171450" algn="ctr">
-            <a:defRPr sz="1700"/>
+            <a:defRPr sz="1800"/>
           </a:lvl3pPr>
           <a:lvl4pPr marL="514350" indent="-171450" algn="ctr">
-            <a:defRPr sz="1700"/>
+            <a:defRPr sz="1800"/>
           </a:lvl4pPr>
           <a:lvl5pPr marL="685800" indent="-171450" algn="ctr">
-            <a:defRPr sz="1700"/>
+            <a:defRPr sz="1800"/>
           </a:lvl5pPr>
           <a:lvl6pPr marL="857250" indent="-171450" algn="ctr">
-            <a:defRPr sz="1700"/>
+            <a:defRPr sz="1800"/>
           </a:lvl6pPr>
           <a:lvl7pPr marL="1028700" indent="-171450" algn="ctr">
-            <a:defRPr sz="1700"/>
+            <a:defRPr sz="1800"/>
           </a:lvl7pPr>
           <a:lvl8pPr marL="1200150" indent="-171450" algn="ctr">
-            <a:defRPr sz="1700"/>
+            <a:defRPr sz="1800"/>
           </a:lvl8pPr>
           <a:lvl9pPr marL="1371600" indent="-171450" algn="ctr">
-            <a:defRPr sz="1700"/>
+            <a:defRPr sz="1800"/>
           </a:lvl9pPr>
         </a:lstStyle>
         <a:p>
@@ -2260,34 +2260,34 @@
         </a:fontRef>
       </dsp:style>
       <dsp:txBody>
-        <a:bodyPr lIns="83820" tIns="83820" rIns="83820" bIns="83820" anchor="ctr"/>
+        <a:bodyPr lIns="91439" tIns="91439" rIns="91439" bIns="91439" anchor="ctr"/>
         <a:lstStyle>
           <a:lvl1pPr algn="ctr">
-            <a:defRPr sz="2200"/>
+            <a:defRPr sz="2400"/>
           </a:lvl1pPr>
           <a:lvl2pPr marL="171450" indent="-171450" algn="ctr">
-            <a:defRPr sz="1700"/>
+            <a:defRPr sz="1800"/>
           </a:lvl2pPr>
           <a:lvl3pPr marL="342900" indent="-171450" algn="ctr">
-            <a:defRPr sz="1700"/>
+            <a:defRPr sz="1800"/>
           </a:lvl3pPr>
           <a:lvl4pPr marL="514350" indent="-171450" algn="ctr">
-            <a:defRPr sz="1700"/>
+            <a:defRPr sz="1800"/>
           </a:lvl4pPr>
           <a:lvl5pPr marL="685800" indent="-171450" algn="ctr">
-            <a:defRPr sz="1700"/>
+            <a:defRPr sz="1800"/>
           </a:lvl5pPr>
           <a:lvl6pPr marL="857250" indent="-171450" algn="ctr">
-            <a:defRPr sz="1700"/>
+            <a:defRPr sz="1800"/>
           </a:lvl6pPr>
           <a:lvl7pPr marL="1028700" indent="-171450" algn="ctr">
-            <a:defRPr sz="1700"/>
+            <a:defRPr sz="1800"/>
           </a:lvl7pPr>
           <a:lvl8pPr marL="1200150" indent="-171450" algn="ctr">
-            <a:defRPr sz="1700"/>
+            <a:defRPr sz="1800"/>
           </a:lvl8pPr>
           <a:lvl9pPr marL="1371600" indent="-171450" algn="ctr">
-            <a:defRPr sz="1700"/>
+            <a:defRPr sz="1800"/>
           </a:lvl9pPr>
         </a:lstStyle>
         <a:p>
@@ -2392,34 +2392,34 @@
         </a:fontRef>
       </dsp:style>
       <dsp:txBody>
-        <a:bodyPr lIns="83820" tIns="83820" rIns="83820" bIns="83820" anchor="ctr"/>
+        <a:bodyPr lIns="91439" tIns="91439" rIns="91439" bIns="91439" anchor="ctr"/>
         <a:lstStyle>
           <a:lvl1pPr algn="ctr">
-            <a:defRPr sz="2200"/>
+            <a:defRPr sz="2400"/>
           </a:lvl1pPr>
           <a:lvl2pPr marL="171450" indent="-171450" algn="ctr">
-            <a:defRPr sz="1700"/>
+            <a:defRPr sz="1800"/>
           </a:lvl2pPr>
           <a:lvl3pPr marL="342900" indent="-171450" algn="ctr">
-            <a:defRPr sz="1700"/>
+            <a:defRPr sz="1800"/>
           </a:lvl3pPr>
           <a:lvl4pPr marL="514350" indent="-171450" algn="ctr">
-            <a:defRPr sz="1700"/>
+            <a:defRPr sz="1800"/>
           </a:lvl4pPr>
           <a:lvl5pPr marL="685800" indent="-171450" algn="ctr">
-            <a:defRPr sz="1700"/>
+            <a:defRPr sz="1800"/>
           </a:lvl5pPr>
           <a:lvl6pPr marL="857250" indent="-171450" algn="ctr">
-            <a:defRPr sz="1700"/>
+            <a:defRPr sz="1800"/>
           </a:lvl6pPr>
           <a:lvl7pPr marL="1028700" indent="-171450" algn="ctr">
-            <a:defRPr sz="1700"/>
+            <a:defRPr sz="1800"/>
           </a:lvl7pPr>
           <a:lvl8pPr marL="1200150" indent="-171450" algn="ctr">
-            <a:defRPr sz="1700"/>
+            <a:defRPr sz="1800"/>
           </a:lvl8pPr>
           <a:lvl9pPr marL="1371600" indent="-171450" algn="ctr">
-            <a:defRPr sz="1700"/>
+            <a:defRPr sz="1800"/>
           </a:lvl9pPr>
         </a:lstStyle>
         <a:p>
@@ -2524,34 +2524,34 @@
         </a:fontRef>
       </dsp:style>
       <dsp:txBody>
-        <a:bodyPr lIns="83820" tIns="83820" rIns="83820" bIns="83820" anchor="ctr"/>
+        <a:bodyPr lIns="91439" tIns="91439" rIns="91439" bIns="91439" anchor="ctr"/>
         <a:lstStyle>
           <a:lvl1pPr algn="ctr">
-            <a:defRPr sz="2200"/>
+            <a:defRPr sz="2400"/>
           </a:lvl1pPr>
           <a:lvl2pPr marL="171450" indent="-171450" algn="ctr">
-            <a:defRPr sz="1700"/>
+            <a:defRPr sz="1800"/>
           </a:lvl2pPr>
           <a:lvl3pPr marL="342900" indent="-171450" algn="ctr">
-            <a:defRPr sz="1700"/>
+            <a:defRPr sz="1800"/>
           </a:lvl3pPr>
           <a:lvl4pPr marL="514350" indent="-171450" algn="ctr">
-            <a:defRPr sz="1700"/>
+            <a:defRPr sz="1800"/>
           </a:lvl4pPr>
           <a:lvl5pPr marL="685800" indent="-171450" algn="ctr">
-            <a:defRPr sz="1700"/>
+            <a:defRPr sz="1800"/>
           </a:lvl5pPr>
           <a:lvl6pPr marL="857250" indent="-171450" algn="ctr">
-            <a:defRPr sz="1700"/>
+            <a:defRPr sz="1800"/>
           </a:lvl6pPr>
           <a:lvl7pPr marL="1028700" indent="-171450" algn="ctr">
-            <a:defRPr sz="1700"/>
+            <a:defRPr sz="1800"/>
           </a:lvl7pPr>
           <a:lvl8pPr marL="1200150" indent="-171450" algn="ctr">
-            <a:defRPr sz="1700"/>
+            <a:defRPr sz="1800"/>
           </a:lvl8pPr>
           <a:lvl9pPr marL="1371600" indent="-171450" algn="ctr">
-            <a:defRPr sz="1700"/>
+            <a:defRPr sz="1800"/>
           </a:lvl9pPr>
         </a:lstStyle>
         <a:p>
@@ -2656,34 +2656,34 @@
         </a:fontRef>
       </dsp:style>
       <dsp:txBody>
-        <a:bodyPr lIns="83820" tIns="83820" rIns="83820" bIns="83820" anchor="ctr"/>
+        <a:bodyPr lIns="91439" tIns="91439" rIns="91439" bIns="91439" anchor="ctr"/>
         <a:lstStyle>
           <a:lvl1pPr algn="ctr">
-            <a:defRPr sz="2200"/>
+            <a:defRPr sz="2400"/>
           </a:lvl1pPr>
           <a:lvl2pPr marL="171450" indent="-171450" algn="ctr">
-            <a:defRPr sz="1700"/>
+            <a:defRPr sz="1800"/>
           </a:lvl2pPr>
           <a:lvl3pPr marL="342900" indent="-171450" algn="ctr">
-            <a:defRPr sz="1700"/>
+            <a:defRPr sz="1800"/>
           </a:lvl3pPr>
           <a:lvl4pPr marL="514350" indent="-171450" algn="ctr">
-            <a:defRPr sz="1700"/>
+            <a:defRPr sz="1800"/>
           </a:lvl4pPr>
           <a:lvl5pPr marL="685800" indent="-171450" algn="ctr">
-            <a:defRPr sz="1700"/>
+            <a:defRPr sz="1800"/>
           </a:lvl5pPr>
           <a:lvl6pPr marL="857250" indent="-171450" algn="ctr">
-            <a:defRPr sz="1700"/>
+            <a:defRPr sz="1800"/>
           </a:lvl6pPr>
           <a:lvl7pPr marL="1028700" indent="-171450" algn="ctr">
-            <a:defRPr sz="1700"/>
+            <a:defRPr sz="1800"/>
           </a:lvl7pPr>
           <a:lvl8pPr marL="1200150" indent="-171450" algn="ctr">
-            <a:defRPr sz="1700"/>
+            <a:defRPr sz="1800"/>
           </a:lvl8pPr>
           <a:lvl9pPr marL="1371600" indent="-171450" algn="ctr">
-            <a:defRPr sz="1700"/>
+            <a:defRPr sz="1800"/>
           </a:lvl9pPr>
         </a:lstStyle>
         <a:p>
@@ -2751,34 +2751,34 @@
         </a:fontRef>
       </dsp:style>
       <dsp:txBody>
-        <a:bodyPr lIns="83820" tIns="83820" rIns="83820" bIns="83820" anchor="ctr"/>
+        <a:bodyPr lIns="91439" tIns="91439" rIns="91439" bIns="91439" anchor="ctr"/>
         <a:lstStyle>
           <a:lvl1pPr algn="ctr">
-            <a:defRPr sz="2200"/>
+            <a:defRPr sz="2400"/>
           </a:lvl1pPr>
           <a:lvl2pPr marL="171450" indent="-171450" algn="ctr">
-            <a:defRPr sz="1700"/>
+            <a:defRPr sz="1800"/>
           </a:lvl2pPr>
           <a:lvl3pPr marL="342900" indent="-171450" algn="ctr">
-            <a:defRPr sz="1700"/>
+            <a:defRPr sz="1800"/>
           </a:lvl3pPr>
           <a:lvl4pPr marL="514350" indent="-171450" algn="ctr">
-            <a:defRPr sz="1700"/>
+            <a:defRPr sz="1800"/>
           </a:lvl4pPr>
           <a:lvl5pPr marL="685800" indent="-171450" algn="ctr">
-            <a:defRPr sz="1700"/>
+            <a:defRPr sz="1800"/>
           </a:lvl5pPr>
           <a:lvl6pPr marL="857250" indent="-171450" algn="ctr">
-            <a:defRPr sz="1700"/>
+            <a:defRPr sz="1800"/>
           </a:lvl6pPr>
           <a:lvl7pPr marL="1028700" indent="-171450" algn="ctr">
-            <a:defRPr sz="1700"/>
+            <a:defRPr sz="1800"/>
           </a:lvl7pPr>
           <a:lvl8pPr marL="1200150" indent="-171450" algn="ctr">
-            <a:defRPr sz="1700"/>
+            <a:defRPr sz="1800"/>
           </a:lvl8pPr>
           <a:lvl9pPr marL="1371600" indent="-171450" algn="ctr">
-            <a:defRPr sz="1700"/>
+            <a:defRPr sz="1800"/>
           </a:lvl9pPr>
         </a:lstStyle>
         <a:p>
@@ -11584,12 +11584,14 @@
           </a:xfrm>
         </p:spPr>
         <p:txBody>
-          <a:bodyPr/>
+          <a:bodyPr>
+            <a:normAutofit fontScale="90000"/>
+          </a:bodyPr>
           <a:lstStyle/>
           <a:p>
             <a:r>
               <a:rPr lang="en-IN" altLang="en-US" dirty="0"/>
-              <a:t>Concrete Strength</a:t>
+              <a:t>Concrete Compressive Strength</a:t>
             </a:r>
             <a:r>
               <a:rPr lang="en-US" dirty="0"/>
@@ -11801,7 +11803,7 @@
             </a:r>
             <a:r>
               <a:rPr lang="en-IN" altLang="en-US" dirty="0"/>
-              <a:t>To estimate the strength of concrete given its mixture properties</a:t>
+              <a:t>To estimate the compressive strength of concrete given its mixture properties</a:t>
             </a:r>
             <a:endParaRPr lang="en-US" b="1" dirty="0"/>
           </a:p>
@@ -12142,7 +12144,7 @@
             </a:pPr>
             <a:r>
               <a:rPr lang="en-IN" altLang="en-US" dirty="0"/>
-              <a:t>Checking for null Values</a:t>
+              <a:t>Checking for duplicates</a:t>
             </a:r>
             <a:r>
               <a:rPr lang="en-US" dirty="0"/>
